--- a/Diagrama de Arquitetura MonkesHealthcare.pptx
+++ b/Diagrama de Arquitetura MonkesHealthcare.pptx
@@ -104,6 +104,11 @@
       </a:defRPr>
     </a:lvl9pPr>
   </p:defaultTextStyle>
+  <p:extLst>
+    <p:ext uri="{EFAFB233-063F-42B5-8137-9DF3F51BA10A}">
+      <p15:sldGuideLst xmlns:p15="http://schemas.microsoft.com/office/powerpoint/2012/main"/>
+    </p:ext>
+  </p:extLst>
 </p:presentation>
 </file>
 
@@ -238,7 +243,7 @@
           <a:p>
             <a:fld id="{46362470-F9E5-4CC4-8E44-DB18674204C7}" type="datetimeFigureOut">
               <a:rPr lang="pt-BR" smtClean="0"/>
-              <a:t>05/10/2018</a:t>
+              <a:t>10/10/2018</a:t>
             </a:fld>
             <a:endParaRPr lang="pt-BR"/>
           </a:p>
@@ -408,7 +413,7 @@
           <a:p>
             <a:fld id="{46362470-F9E5-4CC4-8E44-DB18674204C7}" type="datetimeFigureOut">
               <a:rPr lang="pt-BR" smtClean="0"/>
-              <a:t>05/10/2018</a:t>
+              <a:t>10/10/2018</a:t>
             </a:fld>
             <a:endParaRPr lang="pt-BR"/>
           </a:p>
@@ -588,7 +593,7 @@
           <a:p>
             <a:fld id="{46362470-F9E5-4CC4-8E44-DB18674204C7}" type="datetimeFigureOut">
               <a:rPr lang="pt-BR" smtClean="0"/>
-              <a:t>05/10/2018</a:t>
+              <a:t>10/10/2018</a:t>
             </a:fld>
             <a:endParaRPr lang="pt-BR"/>
           </a:p>
@@ -758,7 +763,7 @@
           <a:p>
             <a:fld id="{46362470-F9E5-4CC4-8E44-DB18674204C7}" type="datetimeFigureOut">
               <a:rPr lang="pt-BR" smtClean="0"/>
-              <a:t>05/10/2018</a:t>
+              <a:t>10/10/2018</a:t>
             </a:fld>
             <a:endParaRPr lang="pt-BR"/>
           </a:p>
@@ -1004,7 +1009,7 @@
           <a:p>
             <a:fld id="{46362470-F9E5-4CC4-8E44-DB18674204C7}" type="datetimeFigureOut">
               <a:rPr lang="pt-BR" smtClean="0"/>
-              <a:t>05/10/2018</a:t>
+              <a:t>10/10/2018</a:t>
             </a:fld>
             <a:endParaRPr lang="pt-BR"/>
           </a:p>
@@ -1236,7 +1241,7 @@
           <a:p>
             <a:fld id="{46362470-F9E5-4CC4-8E44-DB18674204C7}" type="datetimeFigureOut">
               <a:rPr lang="pt-BR" smtClean="0"/>
-              <a:t>05/10/2018</a:t>
+              <a:t>10/10/2018</a:t>
             </a:fld>
             <a:endParaRPr lang="pt-BR"/>
           </a:p>
@@ -1603,7 +1608,7 @@
           <a:p>
             <a:fld id="{46362470-F9E5-4CC4-8E44-DB18674204C7}" type="datetimeFigureOut">
               <a:rPr lang="pt-BR" smtClean="0"/>
-              <a:t>05/10/2018</a:t>
+              <a:t>10/10/2018</a:t>
             </a:fld>
             <a:endParaRPr lang="pt-BR"/>
           </a:p>
@@ -1721,7 +1726,7 @@
           <a:p>
             <a:fld id="{46362470-F9E5-4CC4-8E44-DB18674204C7}" type="datetimeFigureOut">
               <a:rPr lang="pt-BR" smtClean="0"/>
-              <a:t>05/10/2018</a:t>
+              <a:t>10/10/2018</a:t>
             </a:fld>
             <a:endParaRPr lang="pt-BR"/>
           </a:p>
@@ -1816,7 +1821,7 @@
           <a:p>
             <a:fld id="{46362470-F9E5-4CC4-8E44-DB18674204C7}" type="datetimeFigureOut">
               <a:rPr lang="pt-BR" smtClean="0"/>
-              <a:t>05/10/2018</a:t>
+              <a:t>10/10/2018</a:t>
             </a:fld>
             <a:endParaRPr lang="pt-BR"/>
           </a:p>
@@ -2093,7 +2098,7 @@
           <a:p>
             <a:fld id="{46362470-F9E5-4CC4-8E44-DB18674204C7}" type="datetimeFigureOut">
               <a:rPr lang="pt-BR" smtClean="0"/>
-              <a:t>05/10/2018</a:t>
+              <a:t>10/10/2018</a:t>
             </a:fld>
             <a:endParaRPr lang="pt-BR"/>
           </a:p>
@@ -2346,7 +2351,7 @@
           <a:p>
             <a:fld id="{46362470-F9E5-4CC4-8E44-DB18674204C7}" type="datetimeFigureOut">
               <a:rPr lang="pt-BR" smtClean="0"/>
-              <a:t>05/10/2018</a:t>
+              <a:t>10/10/2018</a:t>
             </a:fld>
             <a:endParaRPr lang="pt-BR"/>
           </a:p>
@@ -2559,7 +2564,7 @@
           <a:p>
             <a:fld id="{46362470-F9E5-4CC4-8E44-DB18674204C7}" type="datetimeFigureOut">
               <a:rPr lang="pt-BR" smtClean="0"/>
-              <a:t>05/10/2018</a:t>
+              <a:t>10/10/2018</a:t>
             </a:fld>
             <a:endParaRPr lang="pt-BR"/>
           </a:p>
@@ -3549,36 +3554,6 @@
           </a:p>
         </p:txBody>
       </p:sp>
-      <p:pic>
-        <p:nvPicPr>
-          <p:cNvPr id="45" name="Imagem 44"/>
-          <p:cNvPicPr>
-            <a:picLocks noChangeAspect="1"/>
-          </p:cNvPicPr>
-          <p:nvPr/>
-        </p:nvPicPr>
-        <p:blipFill>
-          <a:blip r:embed="rId11">
-            <a:extLst>
-              <a:ext uri="{28A0092B-C50C-407E-A947-70E740481C1C}">
-                <a14:useLocalDpi xmlns:a14="http://schemas.microsoft.com/office/drawing/2010/main" val="0"/>
-              </a:ext>
-            </a:extLst>
-          </a:blip>
-          <a:stretch>
-            <a:fillRect/>
-          </a:stretch>
-        </p:blipFill>
-        <p:spPr>
-          <a:xfrm>
-            <a:off x="9545588" y="360863"/>
-            <a:ext cx="1905000" cy="1905000"/>
-          </a:xfrm>
-          <a:prstGeom prst="rect">
-            <a:avLst/>
-          </a:prstGeom>
-        </p:spPr>
-      </p:pic>
       <p:cxnSp>
         <p:nvCxnSpPr>
           <p:cNvPr id="50" name="Conector angulado 49"/>
@@ -3690,6 +3665,47 @@
           </a:p>
         </p:txBody>
       </p:sp>
+      <p:pic>
+        <p:nvPicPr>
+          <p:cNvPr id="2" name="Picture 2" descr="Resultado de imagem para scientist icon"/>
+          <p:cNvPicPr>
+            <a:picLocks noChangeAspect="1" noChangeArrowheads="1"/>
+          </p:cNvPicPr>
+          <p:nvPr/>
+        </p:nvPicPr>
+        <p:blipFill>
+          <a:blip r:embed="rId11">
+            <a:extLst>
+              <a:ext uri="{28A0092B-C50C-407E-A947-70E740481C1C}">
+                <a14:useLocalDpi xmlns:a14="http://schemas.microsoft.com/office/drawing/2010/main" val="0"/>
+              </a:ext>
+            </a:extLst>
+          </a:blip>
+          <a:srcRect/>
+          <a:stretch>
+            <a:fillRect/>
+          </a:stretch>
+        </p:blipFill>
+        <p:spPr bwMode="auto">
+          <a:xfrm>
+            <a:off x="9094123" y="-122408"/>
+            <a:ext cx="2473741" cy="2473742"/>
+          </a:xfrm>
+          <a:prstGeom prst="rect">
+            <a:avLst/>
+          </a:prstGeom>
+          <a:noFill/>
+          <a:extLst>
+            <a:ext uri="{909E8E84-426E-40DD-AFC4-6F175D3DCCD1}">
+              <a14:hiddenFill xmlns:a14="http://schemas.microsoft.com/office/drawing/2010/main">
+                <a:solidFill>
+                  <a:srgbClr val="FFFFFF"/>
+                </a:solidFill>
+              </a14:hiddenFill>
+            </a:ext>
+          </a:extLst>
+        </p:spPr>
+      </p:pic>
     </p:spTree>
     <p:extLst>
       <p:ext uri="{BB962C8B-B14F-4D97-AF65-F5344CB8AC3E}">
